--- a/微观原理课件/第2章 相互依存性及贸易的好处1.pptx
+++ b/微观原理课件/第2章 相互依存性及贸易的好处1.pptx
@@ -234,7 +234,7 @@
           <a:p>
             <a:fld id="{F3B675A7-BE17-4552-9633-CA3771C758BB}" type="datetimeFigureOut">
               <a:rPr lang="zh-CN" altLang="en-US" smtClean="0"/>
-              <a:t>2022/9/14</a:t>
+              <a:t>2023/10/8</a:t>
             </a:fld>
             <a:endParaRPr lang="zh-CN" altLang="en-US"/>
           </a:p>
@@ -630,7 +630,7 @@
           <a:p>
             <a:fld id="{AF039C99-45EA-4076-B20D-AD4854A749C8}" type="datetime1">
               <a:rPr lang="zh-CN" altLang="en-US" smtClean="0"/>
-              <a:t>2022/9/14</a:t>
+              <a:t>2023/10/8</a:t>
             </a:fld>
             <a:endParaRPr lang="zh-CN" altLang="en-US"/>
           </a:p>
@@ -798,7 +798,7 @@
           <a:p>
             <a:fld id="{7AF39ECD-D3CC-4B5B-B1A2-B1BD63EF481F}" type="datetime1">
               <a:rPr lang="zh-CN" altLang="en-US" smtClean="0"/>
-              <a:t>2022/9/14</a:t>
+              <a:t>2023/10/8</a:t>
             </a:fld>
             <a:endParaRPr lang="zh-CN" altLang="en-US"/>
           </a:p>
@@ -976,7 +976,7 @@
           <a:p>
             <a:fld id="{873C448C-66BC-4521-B99F-631A43AB70BE}" type="datetime1">
               <a:rPr lang="zh-CN" altLang="en-US" smtClean="0"/>
-              <a:t>2022/9/14</a:t>
+              <a:t>2023/10/8</a:t>
             </a:fld>
             <a:endParaRPr lang="zh-CN" altLang="en-US"/>
           </a:p>
@@ -1144,7 +1144,7 @@
           <a:p>
             <a:fld id="{06AD1AA7-5971-45B5-B15D-1AB2C7D06836}" type="datetime1">
               <a:rPr lang="zh-CN" altLang="en-US" smtClean="0"/>
-              <a:t>2022/9/14</a:t>
+              <a:t>2023/10/8</a:t>
             </a:fld>
             <a:endParaRPr lang="zh-CN" altLang="en-US"/>
           </a:p>
@@ -1389,7 +1389,7 @@
           <a:p>
             <a:fld id="{C566900C-8B90-4857-B9BC-8ECE66213662}" type="datetime1">
               <a:rPr lang="zh-CN" altLang="en-US" smtClean="0"/>
-              <a:t>2022/9/14</a:t>
+              <a:t>2023/10/8</a:t>
             </a:fld>
             <a:endParaRPr lang="zh-CN" altLang="en-US"/>
           </a:p>
@@ -1618,7 +1618,7 @@
           <a:p>
             <a:fld id="{B5A65334-C4B2-448A-808F-F36A55C717CA}" type="datetime1">
               <a:rPr lang="zh-CN" altLang="en-US" smtClean="0"/>
-              <a:t>2022/9/14</a:t>
+              <a:t>2023/10/8</a:t>
             </a:fld>
             <a:endParaRPr lang="zh-CN" altLang="en-US"/>
           </a:p>
@@ -1982,7 +1982,7 @@
           <a:p>
             <a:fld id="{B604ECBB-85C8-4F21-B3D7-F39699717AF3}" type="datetime1">
               <a:rPr lang="zh-CN" altLang="en-US" smtClean="0"/>
-              <a:t>2022/9/14</a:t>
+              <a:t>2023/10/8</a:t>
             </a:fld>
             <a:endParaRPr lang="zh-CN" altLang="en-US"/>
           </a:p>
@@ -2099,7 +2099,7 @@
           <a:p>
             <a:fld id="{63AE94AD-43AC-4659-B1CE-6006945BFE21}" type="datetime1">
               <a:rPr lang="zh-CN" altLang="en-US" smtClean="0"/>
-              <a:t>2022/9/14</a:t>
+              <a:t>2023/10/8</a:t>
             </a:fld>
             <a:endParaRPr lang="zh-CN" altLang="en-US"/>
           </a:p>
@@ -2194,7 +2194,7 @@
           <a:p>
             <a:fld id="{A0E621E6-4407-4DD0-88E3-FC6464484052}" type="datetime1">
               <a:rPr lang="zh-CN" altLang="en-US" smtClean="0"/>
-              <a:t>2022/9/14</a:t>
+              <a:t>2023/10/8</a:t>
             </a:fld>
             <a:endParaRPr lang="zh-CN" altLang="en-US"/>
           </a:p>
@@ -2469,7 +2469,7 @@
           <a:p>
             <a:fld id="{60847C36-621A-455D-AF8A-E7D1ACA7B302}" type="datetime1">
               <a:rPr lang="zh-CN" altLang="en-US" smtClean="0"/>
-              <a:t>2022/9/14</a:t>
+              <a:t>2023/10/8</a:t>
             </a:fld>
             <a:endParaRPr lang="zh-CN" altLang="en-US"/>
           </a:p>
@@ -2721,7 +2721,7 @@
           <a:p>
             <a:fld id="{39522C22-CCBB-45F8-83AA-9AEC1861CE74}" type="datetime1">
               <a:rPr lang="zh-CN" altLang="en-US" smtClean="0"/>
-              <a:t>2022/9/14</a:t>
+              <a:t>2023/10/8</a:t>
             </a:fld>
             <a:endParaRPr lang="zh-CN" altLang="en-US"/>
           </a:p>
@@ -2935,7 +2935,7 @@
           <a:p>
             <a:fld id="{630B63C5-0BB4-4C3B-ACED-8F48D4DD473F}" type="datetime1">
               <a:rPr lang="zh-CN" altLang="en-US" smtClean="0"/>
-              <a:t>2022/9/14</a:t>
+              <a:t>2023/10/8</a:t>
             </a:fld>
             <a:endParaRPr lang="zh-CN" altLang="en-US"/>
           </a:p>
@@ -3803,11 +3803,14 @@
             </a:r>
           </a:p>
           <a:p>
+            <a:pPr marL="0" indent="0">
+              <a:buNone/>
+            </a:pPr>
             <a:r>
               <a:rPr lang="zh-CN" altLang="en-US" sz="2000" dirty="0">
                 <a:ea typeface="宋体" panose="02010600030101010101" pitchFamily="2" charset="-122"/>
               </a:rPr>
-              <a:t>     </a:t>
+              <a:t>            </a:t>
             </a:r>
             <a:r>
               <a:rPr lang="zh-CN" altLang="en-US" sz="2000" b="1" dirty="0">
@@ -3830,7 +3833,7 @@
               <a:rPr lang="en-US" altLang="zh-CN" sz="2000" dirty="0">
                 <a:ea typeface="宋体" panose="02010600030101010101" pitchFamily="2" charset="-122"/>
               </a:rPr>
-              <a:t>       </a:t>
+              <a:t>             </a:t>
             </a:r>
             <a:r>
               <a:rPr lang="zh-CN" altLang="en-US" sz="2000" dirty="0">
@@ -5662,7 +5665,7 @@
                 <a:latin typeface="宋体" pitchFamily="2" charset="-122"/>
                 <a:ea typeface="宋体" pitchFamily="2" charset="-122"/>
               </a:rPr>
-              <a:t>个人（贸易的双方，注意假设前提），允许人们专业化。 </a:t>
+              <a:t>个人（指的是贸易的双方，注意假设前提），允许人们专业化。 </a:t>
             </a:r>
           </a:p>
           <a:p>
@@ -6036,7 +6039,7 @@
                 <a:latin typeface="宋体" pitchFamily="2" charset="-122"/>
                 <a:ea typeface="宋体" pitchFamily="2" charset="-122"/>
               </a:rPr>
-              <a:t>贸易给双方带来了好处，但价格如何决定，贸易的收益如何在双方之间分配？这超出了本书讨论的范围（这一直是国际贸易理论的主要内容）</a:t>
+              <a:t>    贸易给双方带来了好处，但价格如何决定，贸易的收益如何在双方之间    分配？这超出了本书讨论的范围（这一直是国际贸易理论的主要内容）</a:t>
             </a:r>
             <a:endParaRPr lang="en-US" altLang="zh-CN" sz="2400" dirty="0">
               <a:latin typeface="宋体" pitchFamily="2" charset="-122"/>
@@ -6044,109 +6047,116 @@
             </a:endParaRPr>
           </a:p>
           <a:p>
-            <a:pPr marL="457200" lvl="1" indent="0">
+            <a:pPr marL="0" indent="0">
               <a:buNone/>
             </a:pPr>
             <a:r>
-              <a:rPr lang="zh-CN" altLang="en-US" dirty="0">
+              <a:rPr lang="en-US" altLang="zh-CN" sz="2400" dirty="0">
+                <a:latin typeface="宋体" pitchFamily="2" charset="-122"/>
+                <a:ea typeface="宋体" pitchFamily="2" charset="-122"/>
+              </a:rPr>
+              <a:t>   </a:t>
+            </a:r>
+            <a:r>
+              <a:rPr lang="zh-CN" altLang="en-US" sz="2400" dirty="0">
                 <a:latin typeface="宋体" pitchFamily="2" charset="-122"/>
                 <a:ea typeface="宋体" pitchFamily="2" charset="-122"/>
               </a:rPr>
               <a:t>他们进行贸易的价格在两种机会成本之间。还是前面的例子，农民和牧牛人同意按每盎司牛肉</a:t>
             </a:r>
             <a:r>
-              <a:rPr lang="en-US" altLang="zh-CN" dirty="0">
+              <a:rPr lang="en-US" altLang="zh-CN" sz="2400" dirty="0">
                 <a:latin typeface="宋体" pitchFamily="2" charset="-122"/>
                 <a:ea typeface="宋体" pitchFamily="2" charset="-122"/>
               </a:rPr>
               <a:t>3</a:t>
             </a:r>
             <a:r>
-              <a:rPr lang="zh-CN" altLang="en-US" dirty="0">
+              <a:rPr lang="zh-CN" altLang="en-US" sz="2400" dirty="0">
                 <a:latin typeface="宋体" pitchFamily="2" charset="-122"/>
                 <a:ea typeface="宋体" pitchFamily="2" charset="-122"/>
               </a:rPr>
               <a:t>盎司土豆的比例进行贸易，这一价格在牧牛人的机会成本（每盎司牛肉</a:t>
             </a:r>
             <a:r>
-              <a:rPr lang="en-US" altLang="zh-CN" dirty="0">
+              <a:rPr lang="en-US" altLang="zh-CN" sz="2400" dirty="0">
                 <a:latin typeface="宋体" pitchFamily="2" charset="-122"/>
                 <a:ea typeface="宋体" pitchFamily="2" charset="-122"/>
               </a:rPr>
               <a:t>2</a:t>
             </a:r>
             <a:r>
-              <a:rPr lang="zh-CN" altLang="en-US" dirty="0">
+              <a:rPr lang="zh-CN" altLang="en-US" sz="2400" dirty="0">
                 <a:latin typeface="宋体" pitchFamily="2" charset="-122"/>
                 <a:ea typeface="宋体" pitchFamily="2" charset="-122"/>
               </a:rPr>
               <a:t>盎司土豆）和农民的机会成本（每盎司牛肉</a:t>
             </a:r>
             <a:r>
-              <a:rPr lang="en-US" altLang="zh-CN" dirty="0">
+              <a:rPr lang="en-US" altLang="zh-CN" sz="2400" dirty="0">
                 <a:latin typeface="宋体" pitchFamily="2" charset="-122"/>
                 <a:ea typeface="宋体" pitchFamily="2" charset="-122"/>
               </a:rPr>
               <a:t>4</a:t>
             </a:r>
             <a:r>
-              <a:rPr lang="zh-CN" altLang="en-US" dirty="0">
+              <a:rPr lang="zh-CN" altLang="en-US" sz="2400" dirty="0">
                 <a:latin typeface="宋体" pitchFamily="2" charset="-122"/>
                 <a:ea typeface="宋体" pitchFamily="2" charset="-122"/>
               </a:rPr>
               <a:t>盎司土豆）之间，使双方受益的价格并不一定在</a:t>
             </a:r>
             <a:r>
-              <a:rPr lang="en-US" altLang="zh-CN" dirty="0">
+              <a:rPr lang="en-US" altLang="zh-CN" sz="2400" dirty="0">
                 <a:latin typeface="宋体" pitchFamily="2" charset="-122"/>
                 <a:ea typeface="宋体" pitchFamily="2" charset="-122"/>
               </a:rPr>
               <a:t>2</a:t>
             </a:r>
             <a:r>
-              <a:rPr lang="zh-CN" altLang="en-US" dirty="0">
+              <a:rPr lang="zh-CN" altLang="en-US" sz="2400" dirty="0">
                 <a:latin typeface="宋体" pitchFamily="2" charset="-122"/>
                 <a:ea typeface="宋体" pitchFamily="2" charset="-122"/>
               </a:rPr>
               <a:t>和</a:t>
             </a:r>
             <a:r>
-              <a:rPr lang="en-US" altLang="zh-CN" dirty="0">
+              <a:rPr lang="en-US" altLang="zh-CN" sz="2400" dirty="0">
                 <a:latin typeface="宋体" pitchFamily="2" charset="-122"/>
                 <a:ea typeface="宋体" pitchFamily="2" charset="-122"/>
               </a:rPr>
               <a:t>4</a:t>
             </a:r>
             <a:r>
-              <a:rPr lang="zh-CN" altLang="en-US" dirty="0">
+              <a:rPr lang="zh-CN" altLang="en-US" sz="2400" dirty="0">
                 <a:latin typeface="宋体" pitchFamily="2" charset="-122"/>
                 <a:ea typeface="宋体" pitchFamily="2" charset="-122"/>
               </a:rPr>
               <a:t>的正中间，但一定在</a:t>
             </a:r>
             <a:r>
-              <a:rPr lang="en-US" altLang="zh-CN" dirty="0">
+              <a:rPr lang="en-US" altLang="zh-CN" sz="2400" dirty="0">
                 <a:latin typeface="宋体" pitchFamily="2" charset="-122"/>
                 <a:ea typeface="宋体" pitchFamily="2" charset="-122"/>
               </a:rPr>
               <a:t>2</a:t>
             </a:r>
             <a:r>
-              <a:rPr lang="zh-CN" altLang="en-US" dirty="0">
+              <a:rPr lang="zh-CN" altLang="en-US" sz="2400" dirty="0">
                 <a:latin typeface="宋体" pitchFamily="2" charset="-122"/>
                 <a:ea typeface="宋体" pitchFamily="2" charset="-122"/>
               </a:rPr>
               <a:t>和</a:t>
             </a:r>
             <a:r>
-              <a:rPr lang="en-US" altLang="zh-CN" dirty="0">
+              <a:rPr lang="en-US" altLang="zh-CN" sz="2400" dirty="0">
                 <a:latin typeface="宋体" pitchFamily="2" charset="-122"/>
                 <a:ea typeface="宋体" pitchFamily="2" charset="-122"/>
               </a:rPr>
               <a:t>4</a:t>
             </a:r>
             <a:r>
-              <a:rPr lang="zh-CN" altLang="en-US" dirty="0">
+              <a:rPr lang="zh-CN" altLang="en-US" sz="2400" dirty="0">
                 <a:latin typeface="宋体" pitchFamily="2" charset="-122"/>
                 <a:ea typeface="宋体" pitchFamily="2" charset="-122"/>
               </a:rPr>
@@ -6275,12 +6285,15 @@
           </a:bodyPr>
           <a:lstStyle/>
           <a:p>
+            <a:pPr marL="0" indent="0">
+              <a:buNone/>
+            </a:pPr>
             <a:r>
               <a:rPr lang="zh-CN" altLang="en-US" sz="2400" dirty="0">
                 <a:latin typeface="宋体" pitchFamily="2" charset="-122"/>
                 <a:ea typeface="宋体" pitchFamily="2" charset="-122"/>
               </a:rPr>
-              <a:t>如果价格不在这个区间，例如如果牛肉的价格低于</a:t>
+              <a:t>    因为如果价格不在这个区间，例如如果牛肉的价格低于</a:t>
             </a:r>
             <a:r>
               <a:rPr lang="en-US" altLang="zh-CN" sz="2400" dirty="0">
@@ -6308,7 +6321,7 @@
                 <a:latin typeface="宋体" pitchFamily="2" charset="-122"/>
                 <a:ea typeface="宋体" pitchFamily="2" charset="-122"/>
               </a:rPr>
-              <a:t>盎司土豆，农民和牧牛人都想卖出牛肉，因为价格高于他们的机会成本。但我们假设的是两个人的经济，他们不能都是买方，也不能都是卖方，必须有一人要充当交易的另一方。</a:t>
+              <a:t>盎司土豆，农民和牧牛人都想卖出牛肉，因为价格高于他们的机会成本。但由于我们假设的是两个人的经济，他们不能都是买方，也不能都是卖方，必须有一人要充当交易的另一方。</a:t>
             </a:r>
             <a:endParaRPr lang="en-US" altLang="zh-CN" sz="2400" dirty="0">
               <a:latin typeface="宋体" pitchFamily="2" charset="-122"/>
@@ -6316,12 +6329,15 @@
             </a:endParaRPr>
           </a:p>
           <a:p>
+            <a:pPr marL="0" indent="0">
+              <a:buNone/>
+            </a:pPr>
             <a:r>
               <a:rPr lang="zh-CN" altLang="en-US" sz="2400" dirty="0">
                 <a:latin typeface="宋体" pitchFamily="2" charset="-122"/>
                 <a:ea typeface="宋体" pitchFamily="2" charset="-122"/>
               </a:rPr>
-              <a:t>相互有利的贸易只能在</a:t>
+              <a:t>    相互有利的贸易只能在</a:t>
             </a:r>
             <a:r>
               <a:rPr lang="en-US" altLang="zh-CN" sz="2400" dirty="0">
@@ -6622,7 +6638,7 @@
                 <a:latin typeface="宋体" pitchFamily="2" charset="-122"/>
                 <a:ea typeface="宋体" pitchFamily="2" charset="-122"/>
               </a:rPr>
-              <a:t>盎司牛肉），因此，她以有利的价格买到了土豆，因而从贸易中受益</a:t>
+              <a:t>盎司牛肉），因此，她以有利的价格买到了土豆，因而从贸易中受益。</a:t>
             </a:r>
           </a:p>
           <a:p>
@@ -7737,7 +7753,7 @@
           <a:bodyPr/>
           <a:lstStyle/>
           <a:p>
-            <a:endParaRPr lang="zh-CN" altLang="en-US"/>
+            <a:endParaRPr lang="zh-CN" altLang="en-US" dirty="0"/>
           </a:p>
         </p:txBody>
       </p:sp>
@@ -7758,11 +7774,28 @@
           </a:bodyPr>
           <a:lstStyle/>
           <a:p>
+            <a:pPr marL="0" indent="0">
+              <a:buNone/>
+            </a:pPr>
             <a:r>
               <a:rPr lang="zh-CN" altLang="en-US" sz="2400" dirty="0">
                 <a:ea typeface="宋体" panose="02010600030101010101" pitchFamily="2" charset="-122"/>
               </a:rPr>
-              <a:t>如果每个人只生产一种物品，即牧牛人Rose只生产牛肉，农民Frank只生产土豆，他们会进行贸易，并且双方都从贸易中获益，</a:t>
+              <a:t>我们来看下面几种情形：</a:t>
+            </a:r>
+            <a:endParaRPr lang="en-US" altLang="zh-CN" sz="2400" dirty="0">
+              <a:ea typeface="宋体" panose="02010600030101010101" pitchFamily="2" charset="-122"/>
+            </a:endParaRPr>
+          </a:p>
+          <a:p>
+            <a:pPr marL="0" indent="0">
+              <a:buNone/>
+            </a:pPr>
+            <a:r>
+              <a:rPr lang="zh-CN" altLang="en-US" sz="2400" dirty="0">
+                <a:ea typeface="宋体" panose="02010600030101010101" pitchFamily="2" charset="-122"/>
+              </a:rPr>
+              <a:t>第一、如果每个人只生产一种物品，即牧牛人Rose只生产牛肉，农民Frank只生产土豆，他们会进行贸易，并且双方都从贸易中获益，</a:t>
             </a:r>
             <a:r>
               <a:rPr lang="zh-CN" altLang="en-US" sz="2400" b="1" dirty="0">
@@ -7772,11 +7805,14 @@
             </a:r>
           </a:p>
           <a:p>
+            <a:pPr marL="0" indent="0">
+              <a:buNone/>
+            </a:pPr>
             <a:r>
               <a:rPr lang="zh-CN" altLang="en-US" sz="2400" dirty="0">
                 <a:ea typeface="宋体" panose="02010600030101010101" pitchFamily="2" charset="-122"/>
               </a:rPr>
-              <a:t>如果双方都能生产对方的物品，只是成本较高，贸易也是有利于双方的，每个人都专门生产自己最擅长的物品，总产量将增加，它们将进行贸易，贸易使每个人都受益，</a:t>
+              <a:t>第二、如果双方都能生产对方的物品，只是成本较高，贸易也是有利于双方的，每个人都专门生产自己最擅长的物品，总产量将增加，它们将进行贸易，贸易使每个人都受益，</a:t>
             </a:r>
             <a:r>
               <a:rPr lang="zh-CN" altLang="en-US" sz="2400" b="1" dirty="0">
@@ -7898,11 +7934,14 @@
           </a:bodyPr>
           <a:lstStyle/>
           <a:p>
+            <a:pPr marL="0" indent="0">
+              <a:buNone/>
+            </a:pPr>
             <a:r>
               <a:rPr lang="zh-CN" altLang="en-US" sz="2400" dirty="0">
                 <a:ea typeface="宋体" panose="02010600030101010101" pitchFamily="2" charset="-122"/>
               </a:rPr>
-              <a:t>上述两种情形贸易都是有好处的，但是现在的情形（第三种情况）是：如果某个人在生产每一种物品上都比较擅长（即更有效率），贸易是否有利呢？如何发现这种情况下贸易的好处呢？这就是我们这一章主要去分析和讨论的重点。</a:t>
+              <a:t>第三、上述两种情形贸易都是有好处的，但是现在的情形（第三种情况）是：如果某个人在生产每一种物品上都比较擅长（即更有效率），贸易是否有利呢？如何发现这种情况下贸易的好处呢？这就是我们这一章主要去分析和讨论的重点。</a:t>
             </a:r>
             <a:endParaRPr lang="en-US" altLang="zh-CN" sz="2400" dirty="0">
               <a:ea typeface="宋体" panose="02010600030101010101" pitchFamily="2" charset="-122"/>
